--- a/presentation.pptx
+++ b/presentation.pptx
@@ -16343,7 +16343,9 @@
           </a:xfrm>
         </p:spPr>
         <p:txBody>
-          <a:bodyPr/>
+          <a:bodyPr>
+            <a:normAutofit fontScale="92500" lnSpcReduction="10000"/>
+          </a:bodyPr>
           <a:lstStyle/>
           <a:p>
             <a:r>
@@ -16374,6 +16376,13 @@
               <a:rPr lang="bg-BG" sz="2800" dirty="0"/>
               <a:t>Блокова схема</a:t>
             </a:r>
+          </a:p>
+          <a:p>
+            <a:r>
+              <a:rPr lang="bg-BG"/>
+              <a:t>Демонстрация</a:t>
+            </a:r>
+            <a:endParaRPr lang="bg-BG" sz="2800" dirty="0"/>
           </a:p>
           <a:p>
             <a:pPr marL="0" indent="0">
